--- a/output/composite_alpha.pptx
+++ b/output/composite_alpha.pptx
@@ -14,10 +14,10 @@
     <p:sldMasterId id="2147483880" r:id="rId29"/>
   </p:sldMasterIdLst>
   <p:notesMasterIdLst>
-    <p:notesMasterId r:id="rId44"/>
+    <p:notesMasterId r:id="rId43"/>
   </p:notesMasterIdLst>
   <p:handoutMasterIdLst>
-    <p:handoutMasterId r:id="rId45"/>
+    <p:handoutMasterId r:id="rId44"/>
   </p:handoutMasterIdLst>
   <p:sldIdLst>
     <p:sldId id="2147470808" r:id="rId30"/>
@@ -33,7 +33,6 @@
     <p:sldId id="2147470819" r:id="rId40"/>
     <p:sldId id="2147470820" r:id="rId41"/>
     <p:sldId id="2147470822" r:id="rId42"/>
-    <p:sldId id="2147470821" r:id="rId43"/>
   </p:sldIdLst>
   <p:sldSz cx="10693400" cy="7561263"/>
   <p:notesSz cx="6742113" cy="9872663"/>
@@ -21241,111 +21240,6 @@
 </p:sld>
 </file>
 
-<file path=ppt/slides/slide14.xml><?xml version="1.0" encoding="utf-8"?>
-<p:sld xmlns:a="http://schemas.openxmlformats.org/drawingml/2006/main" xmlns:r="http://schemas.openxmlformats.org/officeDocument/2006/relationships" xmlns:p="http://schemas.openxmlformats.org/presentationml/2006/main">
-  <p:cSld>
-    <p:spTree>
-      <p:nvGrpSpPr>
-        <p:cNvPr id="1" name=""/>
-        <p:cNvGrpSpPr/>
-        <p:nvPr/>
-      </p:nvGrpSpPr>
-      <p:grpSpPr>
-        <a:xfrm>
-          <a:off x="0" y="0"/>
-          <a:ext cx="0" cy="0"/>
-          <a:chOff x="0" y="0"/>
-          <a:chExt cx="0" cy="0"/>
-        </a:xfrm>
-      </p:grpSpPr>
-      <p:sp>
-        <p:nvSpPr>
-          <p:cNvPr id="2" name="Title 1">
-            <a:extLst>
-              <a:ext uri="{FF2B5EF4-FFF2-40B4-BE49-F238E27FC236}">
-                <a16:creationId xmlns:a16="http://schemas.microsoft.com/office/drawing/2014/main" id="{D15B3844-0BEA-D262-03B4-923F5352C9C5}"/>
-              </a:ext>
-            </a:extLst>
-          </p:cNvPr>
-          <p:cNvSpPr>
-            <a:spLocks noGrp="1"/>
-          </p:cNvSpPr>
-          <p:nvPr>
-            <p:ph type="title"/>
-          </p:nvPr>
-        </p:nvSpPr>
-        <p:spPr/>
-        <p:txBody>
-          <a:bodyPr/>
-          <a:lstStyle/>
-          <a:p>
-            <a:endParaRPr lang="en-US"/>
-          </a:p>
-        </p:txBody>
-      </p:sp>
-      <p:sp>
-        <p:nvSpPr>
-          <p:cNvPr id="3" name="Text Placeholder 2">
-            <a:extLst>
-              <a:ext uri="{FF2B5EF4-FFF2-40B4-BE49-F238E27FC236}">
-                <a16:creationId xmlns:a16="http://schemas.microsoft.com/office/drawing/2014/main" id="{DDD97F3E-5941-0E50-A26C-79B03EBF637C}"/>
-              </a:ext>
-            </a:extLst>
-          </p:cNvPr>
-          <p:cNvSpPr>
-            <a:spLocks noGrp="1"/>
-          </p:cNvSpPr>
-          <p:nvPr>
-            <p:ph type="body" sz="quarter" idx="11"/>
-          </p:nvPr>
-        </p:nvSpPr>
-        <p:spPr/>
-        <p:txBody>
-          <a:bodyPr/>
-          <a:lstStyle/>
-          <a:p>
-            <a:endParaRPr lang="en-US"/>
-          </a:p>
-        </p:txBody>
-      </p:sp>
-      <p:sp>
-        <p:nvSpPr>
-          <p:cNvPr id="4" name="Text Placeholder 3">
-            <a:extLst>
-              <a:ext uri="{FF2B5EF4-FFF2-40B4-BE49-F238E27FC236}">
-                <a16:creationId xmlns:a16="http://schemas.microsoft.com/office/drawing/2014/main" id="{D9E8C021-FDF7-0D38-C9A9-0319EB4B9E38}"/>
-              </a:ext>
-            </a:extLst>
-          </p:cNvPr>
-          <p:cNvSpPr>
-            <a:spLocks noGrp="1"/>
-          </p:cNvSpPr>
-          <p:nvPr>
-            <p:ph type="body" sz="quarter" idx="13"/>
-          </p:nvPr>
-        </p:nvSpPr>
-        <p:spPr/>
-        <p:txBody>
-          <a:bodyPr/>
-          <a:lstStyle/>
-          <a:p>
-            <a:endParaRPr lang="en-US"/>
-          </a:p>
-        </p:txBody>
-      </p:sp>
-    </p:spTree>
-    <p:extLst>
-      <p:ext uri="{BB962C8B-B14F-4D97-AF65-F5344CB8AC3E}">
-        <p14:creationId xmlns:p14="http://schemas.microsoft.com/office/powerpoint/2010/main" val="1707249190"/>
-      </p:ext>
-    </p:extLst>
-  </p:cSld>
-  <p:clrMapOvr>
-    <a:masterClrMapping/>
-  </p:clrMapOvr>
-</p:sld>
-</file>
-
 <file path=ppt/slides/slide2.xml><?xml version="1.0" encoding="utf-8"?>
 <p:sld xmlns:a="http://schemas.openxmlformats.org/drawingml/2006/main" xmlns:r="http://schemas.openxmlformats.org/officeDocument/2006/relationships" xmlns:p="http://schemas.openxmlformats.org/presentationml/2006/main">
   <p:cSld>
